--- a/Factfulness_FINAL.pptx
+++ b/Factfulness_FINAL.pptx
@@ -22419,7 +22419,7 @@
                   <a:cs typeface="Calibri"/>
                   <a:sym typeface="Calibri"/>
                 </a:rPr>
-                <a:t>Question to Solve</a:t>
+                <a:t>Question to Answer</a:t>
               </a:r>
             </a:p>
           </p:txBody>
@@ -22465,7 +22465,7 @@
                   <a:cs typeface="Calibri"/>
                   <a:sym typeface="Calibri"/>
                 </a:rPr>
-                <a:t>Key Coding Approach</a:t>
+                <a:t>Key Approaches</a:t>
               </a:r>
             </a:p>
           </p:txBody>
@@ -30074,7 +30074,7 @@
                 <a:cs typeface="Calibri"/>
                 <a:sym typeface="Calibri"/>
               </a:rPr>
-              <a:t>’ and USAID</a:t>
+              <a:t>’ and AID</a:t>
             </a:r>
             <a:endParaRPr dirty="0">
               <a:solidFill>
@@ -30247,53 +30247,6 @@
       </p:grpSp>
       <p:pic>
         <p:nvPicPr>
-          <p:cNvPr id="27" name="Picture 2" descr="Logo, company name&#10;&#10;Description automatically generated">
-            <a:extLst>
-              <a:ext uri="{FF2B5EF4-FFF2-40B4-BE49-F238E27FC236}">
-                <a16:creationId xmlns:a16="http://schemas.microsoft.com/office/drawing/2014/main" id="{46FF4B5C-CF6F-41A4-9A9B-AFB8B58157E6}"/>
-              </a:ext>
-            </a:extLst>
-          </p:cNvPr>
-          <p:cNvPicPr>
-            <a:picLocks noChangeAspect="1" noChangeArrowheads="1"/>
-          </p:cNvPicPr>
-          <p:nvPr/>
-        </p:nvPicPr>
-        <p:blipFill>
-          <a:blip r:embed="rId5">
-            <a:extLst>
-              <a:ext uri="{28A0092B-C50C-407E-A947-70E740481C1C}">
-                <a14:useLocalDpi xmlns:a14="http://schemas.microsoft.com/office/drawing/2010/main" val="0"/>
-              </a:ext>
-            </a:extLst>
-          </a:blip>
-          <a:srcRect/>
-          <a:stretch>
-            <a:fillRect/>
-          </a:stretch>
-        </p:blipFill>
-        <p:spPr bwMode="auto">
-          <a:xfrm>
-            <a:off x="1449386" y="2507550"/>
-            <a:ext cx="2317187" cy="2317187"/>
-          </a:xfrm>
-          <a:prstGeom prst="rect">
-            <a:avLst/>
-          </a:prstGeom>
-          <a:noFill/>
-          <a:extLst>
-            <a:ext uri="{909E8E84-426E-40DD-AFC4-6F175D3DCCD1}">
-              <a14:hiddenFill xmlns:a14="http://schemas.microsoft.com/office/drawing/2010/main">
-                <a:solidFill>
-                  <a:srgbClr val="FFFFFF"/>
-                </a:solidFill>
-              </a14:hiddenFill>
-            </a:ext>
-          </a:extLst>
-        </p:spPr>
-      </p:pic>
-      <p:pic>
-        <p:nvPicPr>
           <p:cNvPr id="3" name="Picture 2">
             <a:extLst>
               <a:ext uri="{FF2B5EF4-FFF2-40B4-BE49-F238E27FC236}">
@@ -30307,15 +30260,15 @@
           <p:nvPr/>
         </p:nvPicPr>
         <p:blipFill>
-          <a:blip r:embed="rId6"/>
+          <a:blip r:embed="rId5"/>
           <a:stretch>
             <a:fillRect/>
           </a:stretch>
         </p:blipFill>
         <p:spPr>
           <a:xfrm>
-            <a:off x="4929094" y="2195452"/>
-            <a:ext cx="6331067" cy="2941384"/>
+            <a:off x="838200" y="2789396"/>
+            <a:ext cx="5361919" cy="2491123"/>
           </a:xfrm>
           <a:prstGeom prst="rect">
             <a:avLst/>
@@ -30336,8 +30289,8 @@
         </p:nvSpPr>
         <p:spPr>
           <a:xfrm>
-            <a:off x="1205546" y="5758891"/>
-            <a:ext cx="9780907" cy="477054"/>
+            <a:off x="791439" y="1577313"/>
+            <a:ext cx="10986454" cy="477054"/>
           </a:xfrm>
           <a:prstGeom prst="rect">
             <a:avLst/>
@@ -30356,11 +30309,160 @@
                   <a:srgbClr val="404040"/>
                 </a:solidFill>
               </a:rPr>
-              <a:t>How society and individuals can effectively aid developing countries? </a:t>
+              <a:t>Why do we </a:t>
             </a:r>
+            <a:r>
+              <a:rPr lang="en-US" sz="2500" b="1">
+                <a:solidFill>
+                  <a:srgbClr val="404040"/>
+                </a:solidFill>
+              </a:rPr>
+              <a:t>need Foreign Aid? </a:t>
+            </a:r>
+            <a:endParaRPr lang="en-US" sz="2500" b="1" dirty="0">
+              <a:solidFill>
+                <a:srgbClr val="404040"/>
+              </a:solidFill>
+            </a:endParaRPr>
           </a:p>
         </p:txBody>
       </p:sp>
+      <p:grpSp>
+        <p:nvGrpSpPr>
+          <p:cNvPr id="12" name="Group 11">
+            <a:extLst>
+              <a:ext uri="{FF2B5EF4-FFF2-40B4-BE49-F238E27FC236}">
+                <a16:creationId xmlns:a16="http://schemas.microsoft.com/office/drawing/2014/main" id="{1D823514-07E7-41DD-AB7C-2287E482D860}"/>
+              </a:ext>
+            </a:extLst>
+          </p:cNvPr>
+          <p:cNvGrpSpPr/>
+          <p:nvPr/>
+        </p:nvGrpSpPr>
+        <p:grpSpPr>
+          <a:xfrm>
+            <a:off x="6550470" y="2374792"/>
+            <a:ext cx="4803330" cy="769826"/>
+            <a:chOff x="4925967" y="1604609"/>
+            <a:chExt cx="6421710" cy="769826"/>
+          </a:xfrm>
+        </p:grpSpPr>
+        <p:sp>
+          <p:nvSpPr>
+            <p:cNvPr id="13" name="TextBox 12">
+              <a:extLst>
+                <a:ext uri="{FF2B5EF4-FFF2-40B4-BE49-F238E27FC236}">
+                  <a16:creationId xmlns:a16="http://schemas.microsoft.com/office/drawing/2014/main" id="{A501FDC1-E712-4A89-B6EC-E8655AB69AE5}"/>
+                </a:ext>
+              </a:extLst>
+            </p:cNvPr>
+            <p:cNvSpPr txBox="1"/>
+            <p:nvPr/>
+          </p:nvSpPr>
+          <p:spPr>
+            <a:xfrm>
+              <a:off x="5227808" y="2005103"/>
+              <a:ext cx="5910170" cy="369332"/>
+            </a:xfrm>
+            <a:prstGeom prst="rect">
+              <a:avLst/>
+            </a:prstGeom>
+            <a:noFill/>
+          </p:spPr>
+          <p:txBody>
+            <a:bodyPr wrap="square" rtlCol="0">
+              <a:spAutoFit/>
+            </a:bodyPr>
+            <a:lstStyle/>
+            <a:p>
+              <a:pPr algn="ctr"/>
+              <a:endParaRPr lang="en-US" dirty="0">
+                <a:latin typeface="Roboto" panose="02000000000000000000" pitchFamily="2" charset="0"/>
+                <a:ea typeface="Roboto" panose="02000000000000000000" pitchFamily="2" charset="0"/>
+                <a:cs typeface="Tahoma" panose="020B0604030504040204" pitchFamily="34" charset="0"/>
+              </a:endParaRPr>
+            </a:p>
+          </p:txBody>
+        </p:sp>
+        <p:pic>
+          <p:nvPicPr>
+            <p:cNvPr id="14" name="Graphic 13" descr="Open quotation mark with solid fill">
+              <a:extLst>
+                <a:ext uri="{FF2B5EF4-FFF2-40B4-BE49-F238E27FC236}">
+                  <a16:creationId xmlns:a16="http://schemas.microsoft.com/office/drawing/2014/main" id="{BB603C2D-DB5E-46D0-BE58-526DE7F2BF27}"/>
+                </a:ext>
+              </a:extLst>
+            </p:cNvPr>
+            <p:cNvPicPr>
+              <a:picLocks noChangeAspect="1"/>
+            </p:cNvPicPr>
+            <p:nvPr/>
+          </p:nvPicPr>
+          <p:blipFill>
+            <a:blip r:embed="rId6">
+              <a:extLst>
+                <a:ext uri="{28A0092B-C50C-407E-A947-70E740481C1C}">
+                  <a14:useLocalDpi xmlns:a14="http://schemas.microsoft.com/office/drawing/2010/main" val="0"/>
+                </a:ext>
+                <a:ext uri="{96DAC541-7B7A-43D3-8B79-37D633B846F1}">
+                  <asvg:svgBlip xmlns:asvg="http://schemas.microsoft.com/office/drawing/2016/SVG/main" r:embed="rId7"/>
+                </a:ext>
+              </a:extLst>
+            </a:blip>
+            <a:stretch>
+              <a:fillRect/>
+            </a:stretch>
+          </p:blipFill>
+          <p:spPr>
+            <a:xfrm>
+              <a:off x="4925967" y="1604609"/>
+              <a:ext cx="365058" cy="365058"/>
+            </a:xfrm>
+            <a:prstGeom prst="rect">
+              <a:avLst/>
+            </a:prstGeom>
+          </p:spPr>
+        </p:pic>
+        <p:pic>
+          <p:nvPicPr>
+            <p:cNvPr id="15" name="Graphic 14" descr="Open quotation mark with solid fill">
+              <a:extLst>
+                <a:ext uri="{FF2B5EF4-FFF2-40B4-BE49-F238E27FC236}">
+                  <a16:creationId xmlns:a16="http://schemas.microsoft.com/office/drawing/2014/main" id="{8BAF11F6-DA35-4B17-A237-95BBCCCA63E8}"/>
+                </a:ext>
+              </a:extLst>
+            </p:cNvPr>
+            <p:cNvPicPr>
+              <a:picLocks noChangeAspect="1"/>
+            </p:cNvPicPr>
+            <p:nvPr/>
+          </p:nvPicPr>
+          <p:blipFill>
+            <a:blip r:embed="rId6">
+              <a:extLst>
+                <a:ext uri="{28A0092B-C50C-407E-A947-70E740481C1C}">
+                  <a14:useLocalDpi xmlns:a14="http://schemas.microsoft.com/office/drawing/2010/main" val="0"/>
+                </a:ext>
+                <a:ext uri="{96DAC541-7B7A-43D3-8B79-37D633B846F1}">
+                  <asvg:svgBlip xmlns:asvg="http://schemas.microsoft.com/office/drawing/2016/SVG/main" r:embed="rId7"/>
+                </a:ext>
+              </a:extLst>
+            </a:blip>
+            <a:stretch>
+              <a:fillRect/>
+            </a:stretch>
+          </p:blipFill>
+          <p:spPr>
+            <a:xfrm rot="10800000">
+              <a:off x="10982619" y="1604609"/>
+              <a:ext cx="365058" cy="365058"/>
+            </a:xfrm>
+            <a:prstGeom prst="rect">
+              <a:avLst/>
+            </a:prstGeom>
+          </p:spPr>
+        </p:pic>
+      </p:grpSp>
     </p:spTree>
     <p:extLst>
       <p:ext uri="{BB962C8B-B14F-4D97-AF65-F5344CB8AC3E}">
@@ -36496,15 +36598,6 @@
 </file>
 
 <file path=customXml/item1.xml><?xml version="1.0" encoding="utf-8"?>
-<?mso-contentType ?>
-<FormTemplates xmlns="http://schemas.microsoft.com/sharepoint/v3/contenttype/forms">
-  <Display>DocumentLibraryForm</Display>
-  <Edit>DocumentLibraryForm</Edit>
-  <New>DocumentLibraryForm</New>
-</FormTemplates>
-</file>
-
-<file path=customXml/item2.xml><?xml version="1.0" encoding="utf-8"?>
 <ct:contentTypeSchema xmlns:ct="http://schemas.microsoft.com/office/2006/metadata/contentType" xmlns:ma="http://schemas.microsoft.com/office/2006/metadata/properties/metaAttributes" ct:_="" ma:_="" ma:contentTypeName="Document" ma:contentTypeID="0x010100842B226D2205D940945431F91FE6D693" ma:contentTypeVersion="12" ma:contentTypeDescription="Create a new document." ma:contentTypeScope="" ma:versionID="a0cfd5116a5b7d4670a3e5a316bdeac6">
   <xsd:schema xmlns:xsd="http://www.w3.org/2001/XMLSchema" xmlns:xs="http://www.w3.org/2001/XMLSchema" xmlns:p="http://schemas.microsoft.com/office/2006/metadata/properties" xmlns:ns3="ed1f0453-c1ac-4837-bd78-ed2f45344e90" xmlns:ns4="18525225-e3c7-4a06-8eb4-9ccfeb9e7998" targetNamespace="http://schemas.microsoft.com/office/2006/metadata/properties" ma:root="true" ma:fieldsID="75d8da8f6bd074d12478fb1d814fa3f2" ns3:_="" ns4:_="">
     <xsd:import namespace="ed1f0453-c1ac-4837-bd78-ed2f45344e90"/>
@@ -36721,6 +36814,15 @@
 </ct:contentTypeSchema>
 </file>
 
+<file path=customXml/item2.xml><?xml version="1.0" encoding="utf-8"?>
+<?mso-contentType ?>
+<FormTemplates xmlns="http://schemas.microsoft.com/sharepoint/v3/contenttype/forms">
+  <Display>DocumentLibraryForm</Display>
+  <Edit>DocumentLibraryForm</Edit>
+  <New>DocumentLibraryForm</New>
+</FormTemplates>
+</file>
+
 <file path=customXml/item3.xml><?xml version="1.0" encoding="utf-8"?>
 <p:properties xmlns:p="http://schemas.microsoft.com/office/2006/metadata/properties" xmlns:xsi="http://www.w3.org/2001/XMLSchema-instance" xmlns:pc="http://schemas.microsoft.com/office/infopath/2007/PartnerControls">
   <documentManagement/>
@@ -36728,14 +36830,6 @@
 </file>
 
 <file path=customXml/itemProps1.xml><?xml version="1.0" encoding="utf-8"?>
-<ds:datastoreItem xmlns:ds="http://schemas.openxmlformats.org/officeDocument/2006/customXml" ds:itemID="{188EF041-89CF-4F75-9174-FC9CCA5297B1}">
-  <ds:schemaRefs>
-    <ds:schemaRef ds:uri="http://schemas.microsoft.com/sharepoint/v3/contenttype/forms"/>
-  </ds:schemaRefs>
-</ds:datastoreItem>
-</file>
-
-<file path=customXml/itemProps2.xml><?xml version="1.0" encoding="utf-8"?>
 <ds:datastoreItem xmlns:ds="http://schemas.openxmlformats.org/officeDocument/2006/customXml" ds:itemID="{F66B0349-3FA6-495F-B468-D06904BC58A0}">
   <ds:schemaRefs>
     <ds:schemaRef ds:uri="http://schemas.microsoft.com/office/2006/metadata/contentType"/>
@@ -36750,6 +36844,14 @@
     <ds:schemaRef ds:uri="http://purl.org/dc/elements/1.1/"/>
     <ds:schemaRef ds:uri="http://purl.org/dc/terms/"/>
     <ds:schemaRef ds:uri="http://schemas.microsoft.com/internal/obd"/>
+  </ds:schemaRefs>
+</ds:datastoreItem>
+</file>
+
+<file path=customXml/itemProps2.xml><?xml version="1.0" encoding="utf-8"?>
+<ds:datastoreItem xmlns:ds="http://schemas.openxmlformats.org/officeDocument/2006/customXml" ds:itemID="{188EF041-89CF-4F75-9174-FC9CCA5297B1}">
+  <ds:schemaRefs>
+    <ds:schemaRef ds:uri="http://schemas.microsoft.com/sharepoint/v3/contenttype/forms"/>
   </ds:schemaRefs>
 </ds:datastoreItem>
 </file>
